--- a/11 Hack the Pentagon.pptx
+++ b/11 Hack the Pentagon.pptx
@@ -110,7 +110,7 @@
   </p:defaultTextStyle>
   <p:extLst>
     <p:ext uri="{EFAFB233-063F-42B5-8137-9DF3F51BA10A}">
-      <p15:sldGuideLst xmlns:p15="http://schemas.microsoft.com/office/powerpoint/2012/main" xmlns="">
+      <p15:sldGuideLst xmlns="" xmlns:p15="http://schemas.microsoft.com/office/powerpoint/2012/main">
         <p15:guide id="1" orient="horz" pos="2160">
           <p15:clr>
             <a:srgbClr val="A4A3A4"/>
@@ -353,11 +353,11 @@
           <c:showBubbleSize val="0"/>
         </c:dLbls>
         <c:gapWidth val="182"/>
-        <c:axId val="-2098097240"/>
-        <c:axId val="-2066408040"/>
+        <c:axId val="-2062784168"/>
+        <c:axId val="-2062774824"/>
       </c:barChart>
       <c:catAx>
-        <c:axId val="-2098097240"/>
+        <c:axId val="-2062784168"/>
         <c:scaling>
           <c:orientation val="minMax"/>
         </c:scaling>
@@ -400,7 +400,7 @@
             <a:endParaRPr lang="en-US"/>
           </a:p>
         </c:txPr>
-        <c:crossAx val="-2066408040"/>
+        <c:crossAx val="-2062774824"/>
         <c:crosses val="autoZero"/>
         <c:auto val="1"/>
         <c:lblAlgn val="ctr"/>
@@ -408,7 +408,7 @@
         <c:noMultiLvlLbl val="0"/>
       </c:catAx>
       <c:valAx>
-        <c:axId val="-2066408040"/>
+        <c:axId val="-2062774824"/>
         <c:scaling>
           <c:orientation val="minMax"/>
         </c:scaling>
@@ -459,7 +459,7 @@
             <a:endParaRPr lang="en-US"/>
           </a:p>
         </c:txPr>
-        <c:crossAx val="-2098097240"/>
+        <c:crossAx val="-2062784168"/>
         <c:crosses val="autoZero"/>
         <c:crossBetween val="between"/>
       </c:valAx>
@@ -4292,6 +4292,8 @@
               <a:rPr lang="en-US" sz="2000" dirty="0" smtClean="0"/>
               <a:t>1,410 total participants.</a:t>
             </a:r>
+          </a:p>
+          <a:p>
             <a:endParaRPr lang="en-US" sz="800" dirty="0" smtClean="0"/>
           </a:p>
           <a:p>
@@ -4303,6 +4305,8 @@
               </a:rPr>
               <a:t>1,189 reports submitted. </a:t>
             </a:r>
+          </a:p>
+          <a:p>
             <a:endParaRPr lang="en-US" sz="800" dirty="0" smtClean="0">
               <a:solidFill>
                 <a:srgbClr val="000000"/>
@@ -4318,6 +4322,8 @@
               </a:rPr>
               <a:t>252 participants submitted at least one vulnerability report.</a:t>
             </a:r>
+          </a:p>
+          <a:p>
             <a:endParaRPr lang="en-US" sz="800" dirty="0" smtClean="0"/>
           </a:p>
           <a:p>
@@ -4325,6 +4331,8 @@
               <a:rPr lang="en-US" sz="2000" dirty="0" smtClean="0"/>
               <a:t>138 valid and unique vulnerability reports.</a:t>
             </a:r>
+          </a:p>
+          <a:p>
             <a:endParaRPr lang="en-US" sz="800" dirty="0" smtClean="0"/>
           </a:p>
           <a:p>
@@ -4332,13 +4340,8 @@
               <a:rPr lang="en-US" sz="2000" dirty="0" smtClean="0"/>
               <a:t>117 bounties awarded.</a:t>
             </a:r>
-            <a:endParaRPr lang="en-US" sz="800" dirty="0" smtClean="0"/>
-          </a:p>
-          <a:p>
-            <a:r>
-              <a:rPr lang="en-US" sz="2000" dirty="0" smtClean="0"/>
-              <a:t>60 hackers were eligible for bounty.</a:t>
-            </a:r>
+          </a:p>
+          <a:p>
             <a:endParaRPr lang="en-US" sz="800" dirty="0" smtClean="0"/>
           </a:p>
           <a:p>
@@ -4352,7 +4355,7 @@
                   <a:srgbClr val="000000"/>
                 </a:solidFill>
               </a:rPr>
-              <a:t>paid a bounty (one failed background check and one opted out).</a:t>
+              <a:t>paid a bounty</a:t>
             </a:r>
             <a:endParaRPr lang="en-US" sz="2000" dirty="0" smtClean="0"/>
           </a:p>
